--- a/0_Ramp_Up/documentos/Data Science - Ramp Up - Apoyo.pptx
+++ b/0_Ramp_Up/documentos/Data Science - Ramp Up - Apoyo.pptx
@@ -5,10 +5,10 @@
     <p:sldMasterId id="2147483660" r:id="rId1"/>
   </p:sldMasterIdLst>
   <p:notesMasterIdLst>
-    <p:notesMasterId r:id="rId8"/>
+    <p:notesMasterId r:id="rId9"/>
   </p:notesMasterIdLst>
   <p:handoutMasterIdLst>
-    <p:handoutMasterId r:id="rId9"/>
+    <p:handoutMasterId r:id="rId10"/>
   </p:handoutMasterIdLst>
   <p:sldIdLst>
     <p:sldId id="256" r:id="rId2"/>
@@ -17,6 +17,7 @@
     <p:sldId id="266" r:id="rId5"/>
     <p:sldId id="267" r:id="rId6"/>
     <p:sldId id="264" r:id="rId7"/>
+    <p:sldId id="268" r:id="rId8"/>
   </p:sldIdLst>
   <p:sldSz cx="12192000" cy="6858000"/>
   <p:notesSz cx="6858000" cy="9144000"/>
@@ -220,7 +221,7 @@
           <a:p>
             <a:fld id="{E2E1EB10-6A21-440E-BF2D-F14C49559F2A}" type="datetimeFigureOut">
               <a:rPr lang="es-ES" smtClean="0"/>
-              <a:t>19/06/2020</a:t>
+              <a:t>02/07/2020</a:t>
             </a:fld>
             <a:endParaRPr lang="es-ES"/>
           </a:p>
@@ -404,7 +405,7 @@
           <a:p>
             <a:fld id="{6030B40B-5C5C-408D-8E71-442557AE69BE}" type="datetimeFigureOut">
               <a:rPr lang="es-ES" smtClean="0"/>
-              <a:t>19/06/2020</a:t>
+              <a:t>02/07/2020</a:t>
             </a:fld>
             <a:endParaRPr lang="es-ES"/>
           </a:p>
@@ -806,7 +807,7 @@
           <a:p>
             <a:fld id="{5B772F0D-A02A-4702-8780-0B9BEC7A8699}" type="datetime1">
               <a:rPr lang="es-ES" smtClean="0"/>
-              <a:t>19/06/2020</a:t>
+              <a:t>02/07/2020</a:t>
             </a:fld>
             <a:endParaRPr lang="es-ES"/>
           </a:p>
@@ -979,7 +980,7 @@
           <a:p>
             <a:fld id="{B7089A12-8DCA-43F2-8141-5440FE76067E}" type="datetime1">
               <a:rPr lang="es-ES" smtClean="0"/>
-              <a:t>19/06/2020</a:t>
+              <a:t>02/07/2020</a:t>
             </a:fld>
             <a:endParaRPr lang="es-ES"/>
           </a:p>
@@ -1162,7 +1163,7 @@
           <a:p>
             <a:fld id="{1ECAA92C-77A8-40E9-B836-7A7337601971}" type="datetime1">
               <a:rPr lang="es-ES" smtClean="0"/>
-              <a:t>19/06/2020</a:t>
+              <a:t>02/07/2020</a:t>
             </a:fld>
             <a:endParaRPr lang="es-ES"/>
           </a:p>
@@ -1335,7 +1336,7 @@
           <a:p>
             <a:fld id="{76C3C7A2-BAD2-4CA0-B88A-B6452E90DFBC}" type="datetime1">
               <a:rPr lang="es-ES" smtClean="0"/>
-              <a:t>19/06/2020</a:t>
+              <a:t>02/07/2020</a:t>
             </a:fld>
             <a:endParaRPr lang="es-ES"/>
           </a:p>
@@ -1584,7 +1585,7 @@
           <a:p>
             <a:fld id="{ECA9CF60-F39A-43C0-966A-9235067209B8}" type="datetime1">
               <a:rPr lang="es-ES" smtClean="0"/>
-              <a:t>19/06/2020</a:t>
+              <a:t>02/07/2020</a:t>
             </a:fld>
             <a:endParaRPr lang="es-ES"/>
           </a:p>
@@ -1819,7 +1820,7 @@
           <a:p>
             <a:fld id="{4956C9BF-599C-46EE-897D-D3B566742584}" type="datetime1">
               <a:rPr lang="es-ES" smtClean="0"/>
-              <a:t>19/06/2020</a:t>
+              <a:t>02/07/2020</a:t>
             </a:fld>
             <a:endParaRPr lang="es-ES"/>
           </a:p>
@@ -2189,7 +2190,7 @@
           <a:p>
             <a:fld id="{95FE9576-1C9C-4DA4-A00A-9DD8D8245248}" type="datetime1">
               <a:rPr lang="es-ES" smtClean="0"/>
-              <a:t>19/06/2020</a:t>
+              <a:t>02/07/2020</a:t>
             </a:fld>
             <a:endParaRPr lang="es-ES"/>
           </a:p>
@@ -2310,7 +2311,7 @@
           <a:p>
             <a:fld id="{A25E806F-9BD2-4ABB-A643-CD5EC8F2EFC5}" type="datetime1">
               <a:rPr lang="es-ES" smtClean="0"/>
-              <a:t>19/06/2020</a:t>
+              <a:t>02/07/2020</a:t>
             </a:fld>
             <a:endParaRPr lang="es-ES"/>
           </a:p>
@@ -2408,7 +2409,7 @@
           <a:p>
             <a:fld id="{44D58291-17CD-4DFA-B627-8197516A579F}" type="datetime1">
               <a:rPr lang="es-ES" smtClean="0"/>
-              <a:t>19/06/2020</a:t>
+              <a:t>02/07/2020</a:t>
             </a:fld>
             <a:endParaRPr lang="es-ES"/>
           </a:p>
@@ -2688,7 +2689,7 @@
           <a:p>
             <a:fld id="{CE47F85A-B433-4D20-98A1-4063FF1FEBAE}" type="datetime1">
               <a:rPr lang="es-ES" smtClean="0"/>
-              <a:t>19/06/2020</a:t>
+              <a:t>02/07/2020</a:t>
             </a:fld>
             <a:endParaRPr lang="es-ES"/>
           </a:p>
@@ -2948,7 +2949,7 @@
           <a:p>
             <a:fld id="{88FF7EC7-7A16-44B9-9DAF-6069C283BDDE}" type="datetime1">
               <a:rPr lang="es-ES" smtClean="0"/>
-              <a:t>19/06/2020</a:t>
+              <a:t>02/07/2020</a:t>
             </a:fld>
             <a:endParaRPr lang="es-ES"/>
           </a:p>
@@ -3164,7 +3165,7 @@
           <a:p>
             <a:fld id="{1FF7DE26-E335-45E6-BFEF-90CB33A4197F}" type="datetime1">
               <a:rPr lang="es-ES" smtClean="0"/>
-              <a:t>19/06/2020</a:t>
+              <a:t>02/07/2020</a:t>
             </a:fld>
             <a:endParaRPr lang="es-ES"/>
           </a:p>
@@ -6182,6 +6183,602 @@
     <p:extLst>
       <p:ext uri="{BB962C8B-B14F-4D97-AF65-F5344CB8AC3E}">
         <p14:creationId xmlns:p14="http://schemas.microsoft.com/office/powerpoint/2010/main" val="1284094909"/>
+      </p:ext>
+    </p:extLst>
+  </p:cSld>
+  <p:clrMapOvr>
+    <a:masterClrMapping/>
+  </p:clrMapOvr>
+</p:sld>
+</file>
+
+<file path=ppt/slides/slide7.xml><?xml version="1.0" encoding="utf-8"?>
+<p:sld xmlns:a="http://schemas.openxmlformats.org/drawingml/2006/main" xmlns:r="http://schemas.openxmlformats.org/officeDocument/2006/relationships" xmlns:p="http://schemas.openxmlformats.org/presentationml/2006/main">
+  <p:cSld>
+    <p:spTree>
+      <p:nvGrpSpPr>
+        <p:cNvPr id="1" name=""/>
+        <p:cNvGrpSpPr/>
+        <p:nvPr/>
+      </p:nvGrpSpPr>
+      <p:grpSpPr>
+        <a:xfrm>
+          <a:off x="0" y="0"/>
+          <a:ext cx="0" cy="0"/>
+          <a:chOff x="0" y="0"/>
+          <a:chExt cx="0" cy="0"/>
+        </a:xfrm>
+      </p:grpSpPr>
+      <p:sp>
+        <p:nvSpPr>
+          <p:cNvPr id="2" name="Título 1">
+            <a:extLst>
+              <a:ext uri="{FF2B5EF4-FFF2-40B4-BE49-F238E27FC236}">
+                <a16:creationId xmlns:a16="http://schemas.microsoft.com/office/drawing/2014/main" id="{731D8650-00E7-4D7B-9DFC-D4273D77A896}"/>
+              </a:ext>
+            </a:extLst>
+          </p:cNvPr>
+          <p:cNvSpPr>
+            <a:spLocks noGrp="1"/>
+          </p:cNvSpPr>
+          <p:nvPr>
+            <p:ph type="title"/>
+          </p:nvPr>
+        </p:nvSpPr>
+        <p:spPr/>
+        <p:txBody>
+          <a:bodyPr/>
+          <a:lstStyle/>
+          <a:p>
+            <a:r>
+              <a:rPr lang="es-ES" dirty="0"/>
+              <a:t>Intérprete de Python</a:t>
+            </a:r>
+          </a:p>
+        </p:txBody>
+      </p:sp>
+      <p:pic>
+        <p:nvPicPr>
+          <p:cNvPr id="1026" name="Picture 2" descr="Logo Python PNG transparente - StickPNG">
+            <a:extLst>
+              <a:ext uri="{FF2B5EF4-FFF2-40B4-BE49-F238E27FC236}">
+                <a16:creationId xmlns:a16="http://schemas.microsoft.com/office/drawing/2014/main" id="{0E9F0FFF-BEB9-47C1-B5F8-15096D93666C}"/>
+              </a:ext>
+            </a:extLst>
+          </p:cNvPr>
+          <p:cNvPicPr>
+            <a:picLocks noChangeAspect="1" noChangeArrowheads="1"/>
+          </p:cNvPicPr>
+          <p:nvPr/>
+        </p:nvPicPr>
+        <p:blipFill>
+          <a:blip r:embed="rId2">
+            <a:extLst>
+              <a:ext uri="{28A0092B-C50C-407E-A947-70E740481C1C}">
+                <a14:useLocalDpi xmlns:a14="http://schemas.microsoft.com/office/drawing/2010/main" val="0"/>
+              </a:ext>
+            </a:extLst>
+          </a:blip>
+          <a:srcRect/>
+          <a:stretch>
+            <a:fillRect/>
+          </a:stretch>
+        </p:blipFill>
+        <p:spPr bwMode="auto">
+          <a:xfrm>
+            <a:off x="3982440" y="4356831"/>
+            <a:ext cx="926331" cy="922214"/>
+          </a:xfrm>
+          <a:prstGeom prst="rect">
+            <a:avLst/>
+          </a:prstGeom>
+          <a:noFill/>
+          <a:extLst>
+            <a:ext uri="{909E8E84-426E-40DD-AFC4-6F175D3DCCD1}">
+              <a14:hiddenFill xmlns:a14="http://schemas.microsoft.com/office/drawing/2010/main">
+                <a:solidFill>
+                  <a:srgbClr val="FFFFFF"/>
+                </a:solidFill>
+              </a14:hiddenFill>
+            </a:ext>
+          </a:extLst>
+        </p:spPr>
+      </p:pic>
+      <p:sp>
+        <p:nvSpPr>
+          <p:cNvPr id="4" name="CuadroTexto 3">
+            <a:extLst>
+              <a:ext uri="{FF2B5EF4-FFF2-40B4-BE49-F238E27FC236}">
+                <a16:creationId xmlns:a16="http://schemas.microsoft.com/office/drawing/2014/main" id="{B9D33A9D-BEFD-426F-820D-C4BF19C8AD03}"/>
+              </a:ext>
+            </a:extLst>
+          </p:cNvPr>
+          <p:cNvSpPr txBox="1"/>
+          <p:nvPr/>
+        </p:nvSpPr>
+        <p:spPr>
+          <a:xfrm>
+            <a:off x="2993201" y="5279045"/>
+            <a:ext cx="2904811" cy="923330"/>
+          </a:xfrm>
+          <a:prstGeom prst="rect">
+            <a:avLst/>
+          </a:prstGeom>
+          <a:noFill/>
+        </p:spPr>
+        <p:txBody>
+          <a:bodyPr wrap="square" rtlCol="0">
+            <a:spAutoFit/>
+          </a:bodyPr>
+          <a:lstStyle/>
+          <a:p>
+            <a:pPr algn="ctr"/>
+            <a:r>
+              <a:rPr lang="es-ES" dirty="0"/>
+              <a:t>Intérprete de Python, encargado de entender y ejecutar nuestro código</a:t>
+            </a:r>
+          </a:p>
+        </p:txBody>
+      </p:sp>
+      <p:pic>
+        <p:nvPicPr>
+          <p:cNvPr id="1028" name="Picture 4" descr="Project Jupyter | JupyterHub">
+            <a:extLst>
+              <a:ext uri="{FF2B5EF4-FFF2-40B4-BE49-F238E27FC236}">
+                <a16:creationId xmlns:a16="http://schemas.microsoft.com/office/drawing/2014/main" id="{879BE648-9C67-4C11-90AE-DDB93409B603}"/>
+              </a:ext>
+            </a:extLst>
+          </p:cNvPr>
+          <p:cNvPicPr>
+            <a:picLocks noChangeAspect="1" noChangeArrowheads="1"/>
+          </p:cNvPicPr>
+          <p:nvPr/>
+        </p:nvPicPr>
+        <p:blipFill>
+          <a:blip r:embed="rId3">
+            <a:extLst>
+              <a:ext uri="{28A0092B-C50C-407E-A947-70E740481C1C}">
+                <a14:useLocalDpi xmlns:a14="http://schemas.microsoft.com/office/drawing/2010/main" val="0"/>
+              </a:ext>
+            </a:extLst>
+          </a:blip>
+          <a:srcRect/>
+          <a:stretch>
+            <a:fillRect/>
+          </a:stretch>
+        </p:blipFill>
+        <p:spPr bwMode="auto">
+          <a:xfrm>
+            <a:off x="3741848" y="2508833"/>
+            <a:ext cx="1466908" cy="630513"/>
+          </a:xfrm>
+          <a:prstGeom prst="rect">
+            <a:avLst/>
+          </a:prstGeom>
+          <a:noFill/>
+          <a:extLst>
+            <a:ext uri="{909E8E84-426E-40DD-AFC4-6F175D3DCCD1}">
+              <a14:hiddenFill xmlns:a14="http://schemas.microsoft.com/office/drawing/2010/main">
+                <a:solidFill>
+                  <a:srgbClr val="FFFFFF"/>
+                </a:solidFill>
+              </a14:hiddenFill>
+            </a:ext>
+          </a:extLst>
+        </p:spPr>
+      </p:pic>
+      <p:pic>
+        <p:nvPicPr>
+          <p:cNvPr id="1030" name="Picture 6" descr="Introducción a R:">
+            <a:extLst>
+              <a:ext uri="{FF2B5EF4-FFF2-40B4-BE49-F238E27FC236}">
+                <a16:creationId xmlns:a16="http://schemas.microsoft.com/office/drawing/2014/main" id="{D4D3D0DC-6D80-4A44-BE20-94992CC82A91}"/>
+              </a:ext>
+            </a:extLst>
+          </p:cNvPr>
+          <p:cNvPicPr>
+            <a:picLocks noChangeAspect="1" noChangeArrowheads="1"/>
+          </p:cNvPicPr>
+          <p:nvPr/>
+        </p:nvPicPr>
+        <p:blipFill>
+          <a:blip r:embed="rId4">
+            <a:extLst>
+              <a:ext uri="{28A0092B-C50C-407E-A947-70E740481C1C}">
+                <a14:useLocalDpi xmlns:a14="http://schemas.microsoft.com/office/drawing/2010/main" val="0"/>
+              </a:ext>
+            </a:extLst>
+          </a:blip>
+          <a:srcRect/>
+          <a:stretch>
+            <a:fillRect/>
+          </a:stretch>
+        </p:blipFill>
+        <p:spPr bwMode="auto">
+          <a:xfrm>
+            <a:off x="838200" y="2472625"/>
+            <a:ext cx="1466908" cy="514773"/>
+          </a:xfrm>
+          <a:prstGeom prst="rect">
+            <a:avLst/>
+          </a:prstGeom>
+          <a:noFill/>
+          <a:extLst>
+            <a:ext uri="{909E8E84-426E-40DD-AFC4-6F175D3DCCD1}">
+              <a14:hiddenFill xmlns:a14="http://schemas.microsoft.com/office/drawing/2010/main">
+                <a:solidFill>
+                  <a:srgbClr val="FFFFFF"/>
+                </a:solidFill>
+              </a14:hiddenFill>
+            </a:ext>
+          </a:extLst>
+        </p:spPr>
+      </p:pic>
+      <p:sp>
+        <p:nvSpPr>
+          <p:cNvPr id="5" name="Rectángulo: esquinas redondeadas 4">
+            <a:extLst>
+              <a:ext uri="{FF2B5EF4-FFF2-40B4-BE49-F238E27FC236}">
+                <a16:creationId xmlns:a16="http://schemas.microsoft.com/office/drawing/2014/main" id="{36106DEE-3456-47D2-95B5-C178B0CAC1B1}"/>
+              </a:ext>
+            </a:extLst>
+          </p:cNvPr>
+          <p:cNvSpPr/>
+          <p:nvPr/>
+        </p:nvSpPr>
+        <p:spPr>
+          <a:xfrm>
+            <a:off x="339047" y="1849347"/>
+            <a:ext cx="5756953" cy="4643527"/>
+          </a:xfrm>
+          <a:prstGeom prst="roundRect">
+            <a:avLst/>
+          </a:prstGeom>
+          <a:noFill/>
+          <a:ln w="50800">
+            <a:solidFill>
+              <a:srgbClr val="0070C0"/>
+            </a:solidFill>
+          </a:ln>
+        </p:spPr>
+        <p:style>
+          <a:lnRef idx="2">
+            <a:schemeClr val="accent1">
+              <a:shade val="50000"/>
+            </a:schemeClr>
+          </a:lnRef>
+          <a:fillRef idx="1">
+            <a:schemeClr val="accent1"/>
+          </a:fillRef>
+          <a:effectRef idx="0">
+            <a:schemeClr val="accent1"/>
+          </a:effectRef>
+          <a:fontRef idx="minor">
+            <a:schemeClr val="lt1"/>
+          </a:fontRef>
+        </p:style>
+        <p:txBody>
+          <a:bodyPr rtlCol="0" anchor="ctr"/>
+          <a:lstStyle/>
+          <a:p>
+            <a:pPr algn="ctr"/>
+            <a:endParaRPr lang="es-ES"/>
+          </a:p>
+        </p:txBody>
+      </p:sp>
+      <p:pic>
+        <p:nvPicPr>
+          <p:cNvPr id="1032" name="Picture 8" descr="RStudio: An Open Source and Cross-Platform IDE for R - ReadWrite">
+            <a:extLst>
+              <a:ext uri="{FF2B5EF4-FFF2-40B4-BE49-F238E27FC236}">
+                <a16:creationId xmlns:a16="http://schemas.microsoft.com/office/drawing/2014/main" id="{5F6E34E2-E0EE-41A1-A043-C54FD2017D64}"/>
+              </a:ext>
+            </a:extLst>
+          </p:cNvPr>
+          <p:cNvPicPr>
+            <a:picLocks noChangeAspect="1" noChangeArrowheads="1"/>
+          </p:cNvPicPr>
+          <p:nvPr/>
+        </p:nvPicPr>
+        <p:blipFill>
+          <a:blip r:embed="rId5">
+            <a:extLst>
+              <a:ext uri="{28A0092B-C50C-407E-A947-70E740481C1C}">
+                <a14:useLocalDpi xmlns:a14="http://schemas.microsoft.com/office/drawing/2010/main" val="0"/>
+              </a:ext>
+            </a:extLst>
+          </a:blip>
+          <a:srcRect/>
+          <a:stretch>
+            <a:fillRect/>
+          </a:stretch>
+        </p:blipFill>
+        <p:spPr bwMode="auto">
+          <a:xfrm>
+            <a:off x="1097678" y="4385375"/>
+            <a:ext cx="926331" cy="926331"/>
+          </a:xfrm>
+          <a:prstGeom prst="rect">
+            <a:avLst/>
+          </a:prstGeom>
+          <a:noFill/>
+          <a:extLst>
+            <a:ext uri="{909E8E84-426E-40DD-AFC4-6F175D3DCCD1}">
+              <a14:hiddenFill xmlns:a14="http://schemas.microsoft.com/office/drawing/2010/main">
+                <a:solidFill>
+                  <a:srgbClr val="FFFFFF"/>
+                </a:solidFill>
+              </a14:hiddenFill>
+            </a:ext>
+          </a:extLst>
+        </p:spPr>
+      </p:pic>
+      <p:sp>
+        <p:nvSpPr>
+          <p:cNvPr id="10" name="CuadroTexto 9">
+            <a:extLst>
+              <a:ext uri="{FF2B5EF4-FFF2-40B4-BE49-F238E27FC236}">
+                <a16:creationId xmlns:a16="http://schemas.microsoft.com/office/drawing/2014/main" id="{C085BFD7-3C1A-47FB-ABDD-CC32D2D11EB5}"/>
+              </a:ext>
+            </a:extLst>
+          </p:cNvPr>
+          <p:cNvSpPr txBox="1"/>
+          <p:nvPr/>
+        </p:nvSpPr>
+        <p:spPr>
+          <a:xfrm>
+            <a:off x="659843" y="5438501"/>
+            <a:ext cx="2019411" cy="369332"/>
+          </a:xfrm>
+          <a:prstGeom prst="rect">
+            <a:avLst/>
+          </a:prstGeom>
+          <a:noFill/>
+        </p:spPr>
+        <p:txBody>
+          <a:bodyPr wrap="square" rtlCol="0">
+            <a:spAutoFit/>
+          </a:bodyPr>
+          <a:lstStyle/>
+          <a:p>
+            <a:pPr algn="ctr"/>
+            <a:r>
+              <a:rPr lang="es-ES" dirty="0"/>
+              <a:t>Intérprete de R</a:t>
+            </a:r>
+          </a:p>
+        </p:txBody>
+      </p:sp>
+      <p:cxnSp>
+        <p:nvCxnSpPr>
+          <p:cNvPr id="7" name="Conector recto de flecha 6">
+            <a:extLst>
+              <a:ext uri="{FF2B5EF4-FFF2-40B4-BE49-F238E27FC236}">
+                <a16:creationId xmlns:a16="http://schemas.microsoft.com/office/drawing/2014/main" id="{5BA15D8F-79F0-43F5-98CC-3F39F67DCE05}"/>
+              </a:ext>
+            </a:extLst>
+          </p:cNvPr>
+          <p:cNvCxnSpPr>
+            <a:cxnSpLocks/>
+          </p:cNvCxnSpPr>
+          <p:nvPr/>
+        </p:nvCxnSpPr>
+        <p:spPr>
+          <a:xfrm>
+            <a:off x="1560843" y="3328827"/>
+            <a:ext cx="0" cy="729465"/>
+          </a:xfrm>
+          <a:prstGeom prst="straightConnector1">
+            <a:avLst/>
+          </a:prstGeom>
+          <a:ln w="38100">
+            <a:solidFill>
+              <a:srgbClr val="0070C0"/>
+            </a:solidFill>
+            <a:tailEnd type="triangle"/>
+          </a:ln>
+        </p:spPr>
+        <p:style>
+          <a:lnRef idx="1">
+            <a:schemeClr val="accent1"/>
+          </a:lnRef>
+          <a:fillRef idx="0">
+            <a:schemeClr val="accent1"/>
+          </a:fillRef>
+          <a:effectRef idx="0">
+            <a:schemeClr val="accent1"/>
+          </a:effectRef>
+          <a:fontRef idx="minor">
+            <a:schemeClr val="tx1"/>
+          </a:fontRef>
+        </p:style>
+      </p:cxnSp>
+      <p:pic>
+        <p:nvPicPr>
+          <p:cNvPr id="1034" name="Picture 10" descr="Tutorial Anaconda: Python para Machine Learning y Data Science ...">
+            <a:extLst>
+              <a:ext uri="{FF2B5EF4-FFF2-40B4-BE49-F238E27FC236}">
+                <a16:creationId xmlns:a16="http://schemas.microsoft.com/office/drawing/2014/main" id="{FE9EFBD3-0DE9-4C20-95EE-CB12E2BC54ED}"/>
+              </a:ext>
+            </a:extLst>
+          </p:cNvPr>
+          <p:cNvPicPr>
+            <a:picLocks noChangeAspect="1" noChangeArrowheads="1"/>
+          </p:cNvPicPr>
+          <p:nvPr/>
+        </p:nvPicPr>
+        <p:blipFill>
+          <a:blip r:embed="rId6">
+            <a:extLst>
+              <a:ext uri="{28A0092B-C50C-407E-A947-70E740481C1C}">
+                <a14:useLocalDpi xmlns:a14="http://schemas.microsoft.com/office/drawing/2010/main" val="0"/>
+              </a:ext>
+            </a:extLst>
+          </a:blip>
+          <a:srcRect/>
+          <a:stretch>
+            <a:fillRect/>
+          </a:stretch>
+        </p:blipFill>
+        <p:spPr bwMode="auto">
+          <a:xfrm>
+            <a:off x="4475302" y="1527561"/>
+            <a:ext cx="2433073" cy="821984"/>
+          </a:xfrm>
+          <a:prstGeom prst="rect">
+            <a:avLst/>
+          </a:prstGeom>
+          <a:noFill/>
+          <a:extLst>
+            <a:ext uri="{909E8E84-426E-40DD-AFC4-6F175D3DCCD1}">
+              <a14:hiddenFill xmlns:a14="http://schemas.microsoft.com/office/drawing/2010/main">
+                <a:solidFill>
+                  <a:srgbClr val="FFFFFF"/>
+                </a:solidFill>
+              </a14:hiddenFill>
+            </a:ext>
+          </a:extLst>
+        </p:spPr>
+      </p:pic>
+      <p:cxnSp>
+        <p:nvCxnSpPr>
+          <p:cNvPr id="15" name="Conector recto de flecha 14">
+            <a:extLst>
+              <a:ext uri="{FF2B5EF4-FFF2-40B4-BE49-F238E27FC236}">
+                <a16:creationId xmlns:a16="http://schemas.microsoft.com/office/drawing/2014/main" id="{5C33797B-7F63-4255-9A1B-1729A4CE130E}"/>
+              </a:ext>
+            </a:extLst>
+          </p:cNvPr>
+          <p:cNvCxnSpPr>
+            <a:cxnSpLocks/>
+          </p:cNvCxnSpPr>
+          <p:nvPr/>
+        </p:nvCxnSpPr>
+        <p:spPr>
+          <a:xfrm>
+            <a:off x="4475302" y="3298005"/>
+            <a:ext cx="0" cy="729465"/>
+          </a:xfrm>
+          <a:prstGeom prst="straightConnector1">
+            <a:avLst/>
+          </a:prstGeom>
+          <a:ln w="38100">
+            <a:solidFill>
+              <a:srgbClr val="0070C0"/>
+            </a:solidFill>
+            <a:tailEnd type="triangle"/>
+          </a:ln>
+        </p:spPr>
+        <p:style>
+          <a:lnRef idx="1">
+            <a:schemeClr val="accent1"/>
+          </a:lnRef>
+          <a:fillRef idx="0">
+            <a:schemeClr val="accent1"/>
+          </a:fillRef>
+          <a:effectRef idx="0">
+            <a:schemeClr val="accent1"/>
+          </a:effectRef>
+          <a:fontRef idx="minor">
+            <a:schemeClr val="tx1"/>
+          </a:fontRef>
+        </p:style>
+      </p:cxnSp>
+      <p:pic>
+        <p:nvPicPr>
+          <p:cNvPr id="1036" name="Picture 12" descr="Editor de código Visual Studio Code para el desarrollo web - Iván ...">
+            <a:extLst>
+              <a:ext uri="{FF2B5EF4-FFF2-40B4-BE49-F238E27FC236}">
+                <a16:creationId xmlns:a16="http://schemas.microsoft.com/office/drawing/2014/main" id="{B444F141-06D4-4569-9C9E-C899DA946B9F}"/>
+              </a:ext>
+            </a:extLst>
+          </p:cNvPr>
+          <p:cNvPicPr>
+            <a:picLocks noChangeAspect="1" noChangeArrowheads="1"/>
+          </p:cNvPicPr>
+          <p:nvPr/>
+        </p:nvPicPr>
+        <p:blipFill>
+          <a:blip r:embed="rId7">
+            <a:extLst>
+              <a:ext uri="{28A0092B-C50C-407E-A947-70E740481C1C}">
+                <a14:useLocalDpi xmlns:a14="http://schemas.microsoft.com/office/drawing/2010/main" val="0"/>
+              </a:ext>
+            </a:extLst>
+          </a:blip>
+          <a:srcRect/>
+          <a:stretch>
+            <a:fillRect/>
+          </a:stretch>
+        </p:blipFill>
+        <p:spPr bwMode="auto">
+          <a:xfrm>
+            <a:off x="8447362" y="2553034"/>
+            <a:ext cx="2845531" cy="1600307"/>
+          </a:xfrm>
+          <a:prstGeom prst="rect">
+            <a:avLst/>
+          </a:prstGeom>
+          <a:noFill/>
+          <a:extLst>
+            <a:ext uri="{909E8E84-426E-40DD-AFC4-6F175D3DCCD1}">
+              <a14:hiddenFill xmlns:a14="http://schemas.microsoft.com/office/drawing/2010/main">
+                <a:solidFill>
+                  <a:srgbClr val="FFFFFF"/>
+                </a:solidFill>
+              </a14:hiddenFill>
+            </a:ext>
+          </a:extLst>
+        </p:spPr>
+      </p:pic>
+      <p:cxnSp>
+        <p:nvCxnSpPr>
+          <p:cNvPr id="11" name="Conector: angular 10">
+            <a:extLst>
+              <a:ext uri="{FF2B5EF4-FFF2-40B4-BE49-F238E27FC236}">
+                <a16:creationId xmlns:a16="http://schemas.microsoft.com/office/drawing/2014/main" id="{E5863CB7-E529-4F85-A89B-E1DFFA2A7FD8}"/>
+              </a:ext>
+            </a:extLst>
+          </p:cNvPr>
+          <p:cNvCxnSpPr/>
+          <p:nvPr/>
+        </p:nvCxnSpPr>
+        <p:spPr>
+          <a:xfrm rot="10800000" flipV="1">
+            <a:off x="5517222" y="4356830"/>
+            <a:ext cx="4305610" cy="491709"/>
+          </a:xfrm>
+          <a:prstGeom prst="bentConnector3">
+            <a:avLst>
+              <a:gd name="adj1" fmla="val -349"/>
+            </a:avLst>
+          </a:prstGeom>
+          <a:ln w="41275">
+            <a:solidFill>
+              <a:srgbClr val="0070C0"/>
+            </a:solidFill>
+            <a:tailEnd type="triangle"/>
+          </a:ln>
+        </p:spPr>
+        <p:style>
+          <a:lnRef idx="1">
+            <a:schemeClr val="accent1"/>
+          </a:lnRef>
+          <a:fillRef idx="0">
+            <a:schemeClr val="accent1"/>
+          </a:fillRef>
+          <a:effectRef idx="0">
+            <a:schemeClr val="accent1"/>
+          </a:effectRef>
+          <a:fontRef idx="minor">
+            <a:schemeClr val="tx1"/>
+          </a:fontRef>
+        </p:style>
+      </p:cxnSp>
+    </p:spTree>
+    <p:extLst>
+      <p:ext uri="{BB962C8B-B14F-4D97-AF65-F5344CB8AC3E}">
+        <p14:creationId xmlns:p14="http://schemas.microsoft.com/office/powerpoint/2010/main" val="3401517820"/>
       </p:ext>
     </p:extLst>
   </p:cSld>
